--- a/MSBI.E11-SQL/MSBI.Dev.S20E11.pptx
+++ b/MSBI.E11-SQL/MSBI.Dev.S20E11.pptx
@@ -34799,7 +34799,7 @@
           <a:p>
             <a:r>
               <a:rPr lang="en-US" dirty="0"/>
-              <a:t>S21E10 AGENDA</a:t>
+              <a:t>S21E11 AGENDA</a:t>
             </a:r>
           </a:p>
         </p:txBody>
